--- a/Dokumentáció/töröltSlide-ok.pptx
+++ b/Dokumentáció/töröltSlide-ok.pptx
@@ -5,12 +5,14 @@
     <p:sldMasterId id="2147483648" r:id="rId1"/>
   </p:sldMasterIdLst>
   <p:notesMasterIdLst>
-    <p:notesMasterId r:id="rId5"/>
+    <p:notesMasterId r:id="rId7"/>
   </p:notesMasterIdLst>
   <p:sldIdLst>
     <p:sldId id="272" r:id="rId2"/>
     <p:sldId id="300" r:id="rId3"/>
     <p:sldId id="259" r:id="rId4"/>
+    <p:sldId id="282" r:id="rId5"/>
+    <p:sldId id="301" r:id="rId6"/>
   </p:sldIdLst>
   <p:sldSz cx="12192000" cy="6858000"/>
   <p:notesSz cx="6858000" cy="9144000"/>
@@ -231,7 +233,7 @@
           <a:p>
             <a:fld id="{9901B780-B170-47CA-9EE9-CCB35694F5CF}" type="datetimeFigureOut">
               <a:rPr lang="hu-HU" smtClean="0"/>
-              <a:t>2026. 01. 20.</a:t>
+              <a:t>2026. 01. 21.</a:t>
             </a:fld>
             <a:endParaRPr lang="hu-HU"/>
           </a:p>
@@ -915,7 +917,7 @@
           <a:p>
             <a:fld id="{B32CC055-4ABB-424F-B0F1-91EA345464D4}" type="datetimeFigureOut">
               <a:rPr lang="hu-HU" smtClean="0"/>
-              <a:t>2026. 01. 20.</a:t>
+              <a:t>2026. 01. 21.</a:t>
             </a:fld>
             <a:endParaRPr lang="hu-HU"/>
           </a:p>
@@ -1115,7 +1117,7 @@
           <a:p>
             <a:fld id="{B32CC055-4ABB-424F-B0F1-91EA345464D4}" type="datetimeFigureOut">
               <a:rPr lang="hu-HU" smtClean="0"/>
-              <a:t>2026. 01. 20.</a:t>
+              <a:t>2026. 01. 21.</a:t>
             </a:fld>
             <a:endParaRPr lang="hu-HU"/>
           </a:p>
@@ -1325,7 +1327,7 @@
           <a:p>
             <a:fld id="{B32CC055-4ABB-424F-B0F1-91EA345464D4}" type="datetimeFigureOut">
               <a:rPr lang="hu-HU" smtClean="0"/>
-              <a:t>2026. 01. 20.</a:t>
+              <a:t>2026. 01. 21.</a:t>
             </a:fld>
             <a:endParaRPr lang="hu-HU"/>
           </a:p>
@@ -1525,7 +1527,7 @@
           <a:p>
             <a:fld id="{B32CC055-4ABB-424F-B0F1-91EA345464D4}" type="datetimeFigureOut">
               <a:rPr lang="hu-HU" smtClean="0"/>
-              <a:t>2026. 01. 20.</a:t>
+              <a:t>2026. 01. 21.</a:t>
             </a:fld>
             <a:endParaRPr lang="hu-HU"/>
           </a:p>
@@ -1801,7 +1803,7 @@
           <a:p>
             <a:fld id="{B32CC055-4ABB-424F-B0F1-91EA345464D4}" type="datetimeFigureOut">
               <a:rPr lang="hu-HU" smtClean="0"/>
-              <a:t>2026. 01. 20.</a:t>
+              <a:t>2026. 01. 21.</a:t>
             </a:fld>
             <a:endParaRPr lang="hu-HU"/>
           </a:p>
@@ -2069,7 +2071,7 @@
           <a:p>
             <a:fld id="{B32CC055-4ABB-424F-B0F1-91EA345464D4}" type="datetimeFigureOut">
               <a:rPr lang="hu-HU" smtClean="0"/>
-              <a:t>2026. 01. 20.</a:t>
+              <a:t>2026. 01. 21.</a:t>
             </a:fld>
             <a:endParaRPr lang="hu-HU"/>
           </a:p>
@@ -2484,7 +2486,7 @@
           <a:p>
             <a:fld id="{B32CC055-4ABB-424F-B0F1-91EA345464D4}" type="datetimeFigureOut">
               <a:rPr lang="hu-HU" smtClean="0"/>
-              <a:t>2026. 01. 20.</a:t>
+              <a:t>2026. 01. 21.</a:t>
             </a:fld>
             <a:endParaRPr lang="hu-HU"/>
           </a:p>
@@ -2626,7 +2628,7 @@
           <a:p>
             <a:fld id="{B32CC055-4ABB-424F-B0F1-91EA345464D4}" type="datetimeFigureOut">
               <a:rPr lang="hu-HU" smtClean="0"/>
-              <a:t>2026. 01. 20.</a:t>
+              <a:t>2026. 01. 21.</a:t>
             </a:fld>
             <a:endParaRPr lang="hu-HU"/>
           </a:p>
@@ -2739,7 +2741,7 @@
           <a:p>
             <a:fld id="{B32CC055-4ABB-424F-B0F1-91EA345464D4}" type="datetimeFigureOut">
               <a:rPr lang="hu-HU" smtClean="0"/>
-              <a:t>2026. 01. 20.</a:t>
+              <a:t>2026. 01. 21.</a:t>
             </a:fld>
             <a:endParaRPr lang="hu-HU"/>
           </a:p>
@@ -3052,7 +3054,7 @@
           <a:p>
             <a:fld id="{B32CC055-4ABB-424F-B0F1-91EA345464D4}" type="datetimeFigureOut">
               <a:rPr lang="hu-HU" smtClean="0"/>
-              <a:t>2026. 01. 20.</a:t>
+              <a:t>2026. 01. 21.</a:t>
             </a:fld>
             <a:endParaRPr lang="hu-HU"/>
           </a:p>
@@ -3341,7 +3343,7 @@
           <a:p>
             <a:fld id="{B32CC055-4ABB-424F-B0F1-91EA345464D4}" type="datetimeFigureOut">
               <a:rPr lang="hu-HU" smtClean="0"/>
-              <a:t>2026. 01. 20.</a:t>
+              <a:t>2026. 01. 21.</a:t>
             </a:fld>
             <a:endParaRPr lang="hu-HU"/>
           </a:p>
@@ -3584,7 +3586,7 @@
           <a:p>
             <a:fld id="{B32CC055-4ABB-424F-B0F1-91EA345464D4}" type="datetimeFigureOut">
               <a:rPr lang="hu-HU" smtClean="0"/>
-              <a:t>2026. 01. 20.</a:t>
+              <a:t>2026. 01. 21.</a:t>
             </a:fld>
             <a:endParaRPr lang="hu-HU"/>
           </a:p>
@@ -8844,6 +8846,1801 @@
 </p:sld>
 </file>
 
+<file path=ppt/slides/slide4.xml><?xml version="1.0" encoding="utf-8"?>
+<p:sld xmlns:a="http://schemas.openxmlformats.org/drawingml/2006/main" xmlns:r="http://schemas.openxmlformats.org/officeDocument/2006/relationships" xmlns:p="http://schemas.openxmlformats.org/presentationml/2006/main">
+  <p:cSld>
+    <p:spTree>
+      <p:nvGrpSpPr>
+        <p:cNvPr id="1" name=""/>
+        <p:cNvGrpSpPr/>
+        <p:nvPr/>
+      </p:nvGrpSpPr>
+      <p:grpSpPr>
+        <a:xfrm>
+          <a:off x="0" y="0"/>
+          <a:ext cx="0" cy="0"/>
+          <a:chOff x="0" y="0"/>
+          <a:chExt cx="0" cy="0"/>
+        </a:xfrm>
+      </p:grpSpPr>
+      <p:sp>
+        <p:nvSpPr>
+          <p:cNvPr id="4" name="Rectangle: Rounded Corners 3">
+            <a:extLst>
+              <a:ext uri="{FF2B5EF4-FFF2-40B4-BE49-F238E27FC236}">
+                <a16:creationId xmlns:a16="http://schemas.microsoft.com/office/drawing/2014/main" id="{6D4CFF23-BD51-BF04-C3F3-D1672257AB81}"/>
+              </a:ext>
+            </a:extLst>
+          </p:cNvPr>
+          <p:cNvSpPr/>
+          <p:nvPr/>
+        </p:nvSpPr>
+        <p:spPr>
+          <a:xfrm>
+            <a:off x="3968170" y="2433799"/>
+            <a:ext cx="2478024" cy="1514126"/>
+          </a:xfrm>
+          <a:prstGeom prst="roundRect">
+            <a:avLst/>
+          </a:prstGeom>
+          <a:solidFill>
+            <a:schemeClr val="bg1">
+              <a:lumMod val="85000"/>
+            </a:schemeClr>
+          </a:solidFill>
+          <a:ln>
+            <a:solidFill>
+              <a:schemeClr val="tx1">
+                <a:lumMod val="95000"/>
+                <a:lumOff val="5000"/>
+              </a:schemeClr>
+            </a:solidFill>
+          </a:ln>
+        </p:spPr>
+        <p:style>
+          <a:lnRef idx="2">
+            <a:schemeClr val="accent1">
+              <a:shade val="15000"/>
+            </a:schemeClr>
+          </a:lnRef>
+          <a:fillRef idx="1">
+            <a:schemeClr val="accent1"/>
+          </a:fillRef>
+          <a:effectRef idx="0">
+            <a:schemeClr val="accent1"/>
+          </a:effectRef>
+          <a:fontRef idx="minor">
+            <a:schemeClr val="lt1"/>
+          </a:fontRef>
+        </p:style>
+        <p:txBody>
+          <a:bodyPr rtlCol="0" anchor="ctr"/>
+          <a:lstStyle/>
+          <a:p>
+            <a:pPr algn="ctr"/>
+            <a:endParaRPr lang="hu-HU" dirty="0">
+              <a:latin typeface="Calibri" panose="020F0502020204030204" pitchFamily="34" charset="0"/>
+            </a:endParaRPr>
+          </a:p>
+        </p:txBody>
+      </p:sp>
+      <p:sp>
+        <p:nvSpPr>
+          <p:cNvPr id="5" name="TextBox 4">
+            <a:extLst>
+              <a:ext uri="{FF2B5EF4-FFF2-40B4-BE49-F238E27FC236}">
+                <a16:creationId xmlns:a16="http://schemas.microsoft.com/office/drawing/2014/main" id="{EFCC07EE-D6CA-9904-1606-567F0F88529E}"/>
+              </a:ext>
+            </a:extLst>
+          </p:cNvPr>
+          <p:cNvSpPr txBox="1"/>
+          <p:nvPr/>
+        </p:nvSpPr>
+        <p:spPr>
+          <a:xfrm>
+            <a:off x="3968170" y="2433799"/>
+            <a:ext cx="2478024" cy="369332"/>
+          </a:xfrm>
+          <a:prstGeom prst="rect">
+            <a:avLst/>
+          </a:prstGeom>
+          <a:noFill/>
+        </p:spPr>
+        <p:txBody>
+          <a:bodyPr wrap="square" rtlCol="0">
+            <a:spAutoFit/>
+          </a:bodyPr>
+          <a:lstStyle/>
+          <a:p>
+            <a:pPr algn="ctr"/>
+            <a:r>
+              <a:rPr lang="hu-HU" dirty="0">
+                <a:latin typeface="Calibri" panose="020F0502020204030204" pitchFamily="34" charset="0"/>
+              </a:rPr>
+              <a:t>Paraméterek beállítása</a:t>
+            </a:r>
+          </a:p>
+        </p:txBody>
+      </p:sp>
+      <p:sp>
+        <p:nvSpPr>
+          <p:cNvPr id="6" name="TextBox 5">
+            <a:extLst>
+              <a:ext uri="{FF2B5EF4-FFF2-40B4-BE49-F238E27FC236}">
+                <a16:creationId xmlns:a16="http://schemas.microsoft.com/office/drawing/2014/main" id="{22242129-5A44-7079-46AE-AAC6091D504E}"/>
+              </a:ext>
+            </a:extLst>
+          </p:cNvPr>
+          <p:cNvSpPr txBox="1"/>
+          <p:nvPr/>
+        </p:nvSpPr>
+        <p:spPr>
+          <a:xfrm>
+            <a:off x="3968170" y="2729197"/>
+            <a:ext cx="2148840" cy="923330"/>
+          </a:xfrm>
+          <a:prstGeom prst="rect">
+            <a:avLst/>
+          </a:prstGeom>
+          <a:noFill/>
+        </p:spPr>
+        <p:txBody>
+          <a:bodyPr wrap="square" rtlCol="0">
+            <a:spAutoFit/>
+          </a:bodyPr>
+          <a:lstStyle/>
+          <a:p>
+            <a:r>
+              <a:rPr lang="hu-HU" dirty="0">
+                <a:latin typeface="Calibri" panose="020F0502020204030204" pitchFamily="34" charset="0"/>
+              </a:rPr>
+              <a:t>Fix tengely</a:t>
+            </a:r>
+          </a:p>
+          <a:p>
+            <a:r>
+              <a:rPr lang="hu-HU" dirty="0">
+                <a:latin typeface="Calibri" panose="020F0502020204030204" pitchFamily="34" charset="0"/>
+              </a:rPr>
+              <a:t>Követett tengely</a:t>
+            </a:r>
+          </a:p>
+          <a:p>
+            <a:r>
+              <a:rPr lang="hu-HU" dirty="0">
+                <a:latin typeface="Calibri" panose="020F0502020204030204" pitchFamily="34" charset="0"/>
+              </a:rPr>
+              <a:t>Szög</a:t>
+            </a:r>
+          </a:p>
+        </p:txBody>
+      </p:sp>
+      <p:sp>
+        <p:nvSpPr>
+          <p:cNvPr id="13" name="Rectangle: Rounded Corners 12">
+            <a:extLst>
+              <a:ext uri="{FF2B5EF4-FFF2-40B4-BE49-F238E27FC236}">
+                <a16:creationId xmlns:a16="http://schemas.microsoft.com/office/drawing/2014/main" id="{BEBC8DA2-6A8F-09E6-5DFA-E650CD63BBFC}"/>
+              </a:ext>
+            </a:extLst>
+          </p:cNvPr>
+          <p:cNvSpPr/>
+          <p:nvPr/>
+        </p:nvSpPr>
+        <p:spPr>
+          <a:xfrm>
+            <a:off x="1755323" y="5164852"/>
+            <a:ext cx="2478024" cy="1514126"/>
+          </a:xfrm>
+          <a:prstGeom prst="roundRect">
+            <a:avLst/>
+          </a:prstGeom>
+          <a:solidFill>
+            <a:schemeClr val="bg1">
+              <a:lumMod val="85000"/>
+            </a:schemeClr>
+          </a:solidFill>
+          <a:ln>
+            <a:solidFill>
+              <a:schemeClr val="tx1">
+                <a:lumMod val="95000"/>
+                <a:lumOff val="5000"/>
+              </a:schemeClr>
+            </a:solidFill>
+          </a:ln>
+        </p:spPr>
+        <p:style>
+          <a:lnRef idx="2">
+            <a:schemeClr val="accent1">
+              <a:shade val="15000"/>
+            </a:schemeClr>
+          </a:lnRef>
+          <a:fillRef idx="1">
+            <a:schemeClr val="accent1"/>
+          </a:fillRef>
+          <a:effectRef idx="0">
+            <a:schemeClr val="accent1"/>
+          </a:effectRef>
+          <a:fontRef idx="minor">
+            <a:schemeClr val="lt1"/>
+          </a:fontRef>
+        </p:style>
+        <p:txBody>
+          <a:bodyPr rtlCol="0" anchor="ctr"/>
+          <a:lstStyle/>
+          <a:p>
+            <a:pPr algn="ctr"/>
+            <a:endParaRPr lang="hu-HU" dirty="0">
+              <a:latin typeface="Calibri" panose="020F0502020204030204" pitchFamily="34" charset="0"/>
+            </a:endParaRPr>
+          </a:p>
+        </p:txBody>
+      </p:sp>
+      <p:sp>
+        <p:nvSpPr>
+          <p:cNvPr id="14" name="TextBox 13">
+            <a:extLst>
+              <a:ext uri="{FF2B5EF4-FFF2-40B4-BE49-F238E27FC236}">
+                <a16:creationId xmlns:a16="http://schemas.microsoft.com/office/drawing/2014/main" id="{1FC6FEB7-F778-2D58-4C2A-DAD05C77CA98}"/>
+              </a:ext>
+            </a:extLst>
+          </p:cNvPr>
+          <p:cNvSpPr txBox="1"/>
+          <p:nvPr/>
+        </p:nvSpPr>
+        <p:spPr>
+          <a:xfrm>
+            <a:off x="1755323" y="5164852"/>
+            <a:ext cx="2478024" cy="369332"/>
+          </a:xfrm>
+          <a:prstGeom prst="rect">
+            <a:avLst/>
+          </a:prstGeom>
+          <a:noFill/>
+        </p:spPr>
+        <p:txBody>
+          <a:bodyPr wrap="square" rtlCol="0">
+            <a:spAutoFit/>
+          </a:bodyPr>
+          <a:lstStyle/>
+          <a:p>
+            <a:pPr algn="ctr"/>
+            <a:r>
+              <a:rPr lang="hu-HU" dirty="0">
+                <a:latin typeface="Calibri" panose="020F0502020204030204" pitchFamily="34" charset="0"/>
+              </a:rPr>
+              <a:t>Beállás</a:t>
+            </a:r>
+          </a:p>
+        </p:txBody>
+      </p:sp>
+      <p:sp>
+        <p:nvSpPr>
+          <p:cNvPr id="15" name="TextBox 14">
+            <a:extLst>
+              <a:ext uri="{FF2B5EF4-FFF2-40B4-BE49-F238E27FC236}">
+                <a16:creationId xmlns:a16="http://schemas.microsoft.com/office/drawing/2014/main" id="{31927835-4CCA-D07E-F10A-8FE2ED967AF8}"/>
+              </a:ext>
+            </a:extLst>
+          </p:cNvPr>
+          <p:cNvSpPr txBox="1"/>
+          <p:nvPr/>
+        </p:nvSpPr>
+        <p:spPr>
+          <a:xfrm>
+            <a:off x="1755323" y="5737249"/>
+            <a:ext cx="2478024" cy="646331"/>
+          </a:xfrm>
+          <a:prstGeom prst="rect">
+            <a:avLst/>
+          </a:prstGeom>
+          <a:noFill/>
+        </p:spPr>
+        <p:txBody>
+          <a:bodyPr wrap="square" rtlCol="0">
+            <a:spAutoFit/>
+          </a:bodyPr>
+          <a:lstStyle/>
+          <a:p>
+            <a:r>
+              <a:rPr lang="hu-HU" dirty="0">
+                <a:latin typeface="Calibri" panose="020F0502020204030204" pitchFamily="34" charset="0"/>
+              </a:rPr>
+              <a:t>Beállítások által leírt pozíció felvétele</a:t>
+            </a:r>
+          </a:p>
+        </p:txBody>
+      </p:sp>
+      <p:sp>
+        <p:nvSpPr>
+          <p:cNvPr id="17" name="Rectangle: Rounded Corners 16">
+            <a:extLst>
+              <a:ext uri="{FF2B5EF4-FFF2-40B4-BE49-F238E27FC236}">
+                <a16:creationId xmlns:a16="http://schemas.microsoft.com/office/drawing/2014/main" id="{7341E5A5-466D-B412-9F4F-023AD9C3F69F}"/>
+              </a:ext>
+            </a:extLst>
+          </p:cNvPr>
+          <p:cNvSpPr/>
+          <p:nvPr/>
+        </p:nvSpPr>
+        <p:spPr>
+          <a:xfrm>
+            <a:off x="6985689" y="5164852"/>
+            <a:ext cx="2478024" cy="1514126"/>
+          </a:xfrm>
+          <a:prstGeom prst="roundRect">
+            <a:avLst/>
+          </a:prstGeom>
+          <a:solidFill>
+            <a:schemeClr val="bg1">
+              <a:lumMod val="85000"/>
+            </a:schemeClr>
+          </a:solidFill>
+          <a:ln>
+            <a:solidFill>
+              <a:schemeClr val="tx1">
+                <a:lumMod val="95000"/>
+                <a:lumOff val="5000"/>
+              </a:schemeClr>
+            </a:solidFill>
+          </a:ln>
+        </p:spPr>
+        <p:style>
+          <a:lnRef idx="2">
+            <a:schemeClr val="accent1">
+              <a:shade val="15000"/>
+            </a:schemeClr>
+          </a:lnRef>
+          <a:fillRef idx="1">
+            <a:schemeClr val="accent1"/>
+          </a:fillRef>
+          <a:effectRef idx="0">
+            <a:schemeClr val="accent1"/>
+          </a:effectRef>
+          <a:fontRef idx="minor">
+            <a:schemeClr val="lt1"/>
+          </a:fontRef>
+        </p:style>
+        <p:txBody>
+          <a:bodyPr rtlCol="0" anchor="ctr"/>
+          <a:lstStyle/>
+          <a:p>
+            <a:pPr algn="ctr"/>
+            <a:endParaRPr lang="hu-HU" dirty="0">
+              <a:latin typeface="Calibri" panose="020F0502020204030204" pitchFamily="34" charset="0"/>
+            </a:endParaRPr>
+          </a:p>
+        </p:txBody>
+      </p:sp>
+      <p:sp>
+        <p:nvSpPr>
+          <p:cNvPr id="18" name="TextBox 17">
+            <a:extLst>
+              <a:ext uri="{FF2B5EF4-FFF2-40B4-BE49-F238E27FC236}">
+                <a16:creationId xmlns:a16="http://schemas.microsoft.com/office/drawing/2014/main" id="{5983D956-FF98-A2AE-F2F3-FFB140B5328E}"/>
+              </a:ext>
+            </a:extLst>
+          </p:cNvPr>
+          <p:cNvSpPr txBox="1"/>
+          <p:nvPr/>
+        </p:nvSpPr>
+        <p:spPr>
+          <a:xfrm>
+            <a:off x="6985689" y="5164852"/>
+            <a:ext cx="2478024" cy="369332"/>
+          </a:xfrm>
+          <a:prstGeom prst="rect">
+            <a:avLst/>
+          </a:prstGeom>
+          <a:noFill/>
+        </p:spPr>
+        <p:txBody>
+          <a:bodyPr wrap="square" rtlCol="0">
+            <a:spAutoFit/>
+          </a:bodyPr>
+          <a:lstStyle/>
+          <a:p>
+            <a:pPr algn="ctr"/>
+            <a:r>
+              <a:rPr lang="hu-HU" dirty="0">
+                <a:latin typeface="Calibri" panose="020F0502020204030204" pitchFamily="34" charset="0"/>
+              </a:rPr>
+              <a:t>Szabad mozgatás</a:t>
+            </a:r>
+          </a:p>
+        </p:txBody>
+      </p:sp>
+      <p:sp>
+        <p:nvSpPr>
+          <p:cNvPr id="19" name="TextBox 18">
+            <a:extLst>
+              <a:ext uri="{FF2B5EF4-FFF2-40B4-BE49-F238E27FC236}">
+                <a16:creationId xmlns:a16="http://schemas.microsoft.com/office/drawing/2014/main" id="{0D8EEF8C-633A-C7B3-A178-A7BB7E8E9135}"/>
+              </a:ext>
+            </a:extLst>
+          </p:cNvPr>
+          <p:cNvSpPr txBox="1"/>
+          <p:nvPr/>
+        </p:nvSpPr>
+        <p:spPr>
+          <a:xfrm>
+            <a:off x="6985689" y="5737249"/>
+            <a:ext cx="2478024" cy="646331"/>
+          </a:xfrm>
+          <a:prstGeom prst="rect">
+            <a:avLst/>
+          </a:prstGeom>
+          <a:noFill/>
+        </p:spPr>
+        <p:txBody>
+          <a:bodyPr wrap="square" rtlCol="0">
+            <a:spAutoFit/>
+          </a:bodyPr>
+          <a:lstStyle/>
+          <a:p>
+            <a:r>
+              <a:rPr lang="hu-HU" dirty="0">
+                <a:latin typeface="Calibri" panose="020F0502020204030204" pitchFamily="34" charset="0"/>
+              </a:rPr>
+              <a:t>Szabad mozgatása a tengelyeknek</a:t>
+            </a:r>
+          </a:p>
+        </p:txBody>
+      </p:sp>
+      <p:sp>
+        <p:nvSpPr>
+          <p:cNvPr id="21" name="Rectangle: Rounded Corners 20">
+            <a:extLst>
+              <a:ext uri="{FF2B5EF4-FFF2-40B4-BE49-F238E27FC236}">
+                <a16:creationId xmlns:a16="http://schemas.microsoft.com/office/drawing/2014/main" id="{6D15C40D-0D12-1622-8FE7-F35C32BC5181}"/>
+              </a:ext>
+            </a:extLst>
+          </p:cNvPr>
+          <p:cNvSpPr/>
+          <p:nvPr/>
+        </p:nvSpPr>
+        <p:spPr>
+          <a:xfrm>
+            <a:off x="7858942" y="2433799"/>
+            <a:ext cx="2478024" cy="1514126"/>
+          </a:xfrm>
+          <a:prstGeom prst="roundRect">
+            <a:avLst/>
+          </a:prstGeom>
+          <a:solidFill>
+            <a:schemeClr val="bg1">
+              <a:lumMod val="85000"/>
+            </a:schemeClr>
+          </a:solidFill>
+          <a:ln>
+            <a:solidFill>
+              <a:schemeClr val="tx1">
+                <a:lumMod val="95000"/>
+                <a:lumOff val="5000"/>
+              </a:schemeClr>
+            </a:solidFill>
+          </a:ln>
+        </p:spPr>
+        <p:style>
+          <a:lnRef idx="2">
+            <a:schemeClr val="accent1">
+              <a:shade val="15000"/>
+            </a:schemeClr>
+          </a:lnRef>
+          <a:fillRef idx="1">
+            <a:schemeClr val="accent1"/>
+          </a:fillRef>
+          <a:effectRef idx="0">
+            <a:schemeClr val="accent1"/>
+          </a:effectRef>
+          <a:fontRef idx="minor">
+            <a:schemeClr val="lt1"/>
+          </a:fontRef>
+        </p:style>
+        <p:txBody>
+          <a:bodyPr rtlCol="0" anchor="ctr"/>
+          <a:lstStyle/>
+          <a:p>
+            <a:pPr algn="ctr"/>
+            <a:endParaRPr lang="hu-HU" dirty="0">
+              <a:latin typeface="Calibri" panose="020F0502020204030204" pitchFamily="34" charset="0"/>
+            </a:endParaRPr>
+          </a:p>
+        </p:txBody>
+      </p:sp>
+      <p:sp>
+        <p:nvSpPr>
+          <p:cNvPr id="22" name="TextBox 21">
+            <a:extLst>
+              <a:ext uri="{FF2B5EF4-FFF2-40B4-BE49-F238E27FC236}">
+                <a16:creationId xmlns:a16="http://schemas.microsoft.com/office/drawing/2014/main" id="{59ADB537-F395-5DA5-F23B-ECC6577D85D7}"/>
+              </a:ext>
+            </a:extLst>
+          </p:cNvPr>
+          <p:cNvSpPr txBox="1"/>
+          <p:nvPr/>
+        </p:nvSpPr>
+        <p:spPr>
+          <a:xfrm>
+            <a:off x="7858942" y="2433799"/>
+            <a:ext cx="2478024" cy="369332"/>
+          </a:xfrm>
+          <a:prstGeom prst="rect">
+            <a:avLst/>
+          </a:prstGeom>
+          <a:noFill/>
+        </p:spPr>
+        <p:txBody>
+          <a:bodyPr wrap="square" rtlCol="0">
+            <a:spAutoFit/>
+          </a:bodyPr>
+          <a:lstStyle/>
+          <a:p>
+            <a:pPr algn="ctr"/>
+            <a:r>
+              <a:rPr lang="hu-HU" dirty="0">
+                <a:latin typeface="Calibri" panose="020F0502020204030204" pitchFamily="34" charset="0"/>
+              </a:rPr>
+              <a:t>PC vezérlés</a:t>
+            </a:r>
+          </a:p>
+        </p:txBody>
+      </p:sp>
+      <p:sp>
+        <p:nvSpPr>
+          <p:cNvPr id="23" name="TextBox 22">
+            <a:extLst>
+              <a:ext uri="{FF2B5EF4-FFF2-40B4-BE49-F238E27FC236}">
+                <a16:creationId xmlns:a16="http://schemas.microsoft.com/office/drawing/2014/main" id="{C39B2237-0781-906A-DEED-8C8238361B15}"/>
+              </a:ext>
+            </a:extLst>
+          </p:cNvPr>
+          <p:cNvSpPr txBox="1"/>
+          <p:nvPr/>
+        </p:nvSpPr>
+        <p:spPr>
+          <a:xfrm>
+            <a:off x="7858942" y="3006196"/>
+            <a:ext cx="2478024" cy="369332"/>
+          </a:xfrm>
+          <a:prstGeom prst="rect">
+            <a:avLst/>
+          </a:prstGeom>
+          <a:noFill/>
+        </p:spPr>
+        <p:txBody>
+          <a:bodyPr wrap="square" rtlCol="0">
+            <a:spAutoFit/>
+          </a:bodyPr>
+          <a:lstStyle/>
+          <a:p>
+            <a:r>
+              <a:rPr lang="hu-HU" dirty="0">
+                <a:latin typeface="Calibri" panose="020F0502020204030204" pitchFamily="34" charset="0"/>
+              </a:rPr>
+              <a:t>Vezérlés PC-ről</a:t>
+            </a:r>
+          </a:p>
+        </p:txBody>
+      </p:sp>
+      <p:sp>
+        <p:nvSpPr>
+          <p:cNvPr id="9" name="Rectangle: Rounded Corners 8">
+            <a:extLst>
+              <a:ext uri="{FF2B5EF4-FFF2-40B4-BE49-F238E27FC236}">
+                <a16:creationId xmlns:a16="http://schemas.microsoft.com/office/drawing/2014/main" id="{F0654B00-14B1-07E3-BBEC-77A6E12B7F7F}"/>
+              </a:ext>
+            </a:extLst>
+          </p:cNvPr>
+          <p:cNvSpPr/>
+          <p:nvPr/>
+        </p:nvSpPr>
+        <p:spPr>
+          <a:xfrm>
+            <a:off x="77398" y="2433799"/>
+            <a:ext cx="2478024" cy="1514126"/>
+          </a:xfrm>
+          <a:prstGeom prst="roundRect">
+            <a:avLst/>
+          </a:prstGeom>
+          <a:solidFill>
+            <a:schemeClr val="bg1">
+              <a:lumMod val="85000"/>
+            </a:schemeClr>
+          </a:solidFill>
+          <a:ln>
+            <a:solidFill>
+              <a:schemeClr val="tx1">
+                <a:lumMod val="95000"/>
+                <a:lumOff val="5000"/>
+              </a:schemeClr>
+            </a:solidFill>
+          </a:ln>
+        </p:spPr>
+        <p:style>
+          <a:lnRef idx="2">
+            <a:schemeClr val="accent1">
+              <a:shade val="15000"/>
+            </a:schemeClr>
+          </a:lnRef>
+          <a:fillRef idx="1">
+            <a:schemeClr val="accent1"/>
+          </a:fillRef>
+          <a:effectRef idx="0">
+            <a:schemeClr val="accent1"/>
+          </a:effectRef>
+          <a:fontRef idx="minor">
+            <a:schemeClr val="lt1"/>
+          </a:fontRef>
+        </p:style>
+        <p:txBody>
+          <a:bodyPr rtlCol="0" anchor="ctr"/>
+          <a:lstStyle/>
+          <a:p>
+            <a:pPr algn="ctr"/>
+            <a:endParaRPr lang="hu-HU" dirty="0">
+              <a:latin typeface="Calibri" panose="020F0502020204030204" pitchFamily="34" charset="0"/>
+            </a:endParaRPr>
+          </a:p>
+        </p:txBody>
+      </p:sp>
+      <p:sp>
+        <p:nvSpPr>
+          <p:cNvPr id="10" name="TextBox 9">
+            <a:extLst>
+              <a:ext uri="{FF2B5EF4-FFF2-40B4-BE49-F238E27FC236}">
+                <a16:creationId xmlns:a16="http://schemas.microsoft.com/office/drawing/2014/main" id="{EF2A23B7-A73A-41E9-4669-AB4AE9706645}"/>
+              </a:ext>
+            </a:extLst>
+          </p:cNvPr>
+          <p:cNvSpPr txBox="1"/>
+          <p:nvPr/>
+        </p:nvSpPr>
+        <p:spPr>
+          <a:xfrm>
+            <a:off x="77398" y="2433799"/>
+            <a:ext cx="2478024" cy="369332"/>
+          </a:xfrm>
+          <a:prstGeom prst="rect">
+            <a:avLst/>
+          </a:prstGeom>
+          <a:noFill/>
+        </p:spPr>
+        <p:txBody>
+          <a:bodyPr wrap="square" rtlCol="0">
+            <a:spAutoFit/>
+          </a:bodyPr>
+          <a:lstStyle/>
+          <a:p>
+            <a:pPr algn="ctr"/>
+            <a:r>
+              <a:rPr lang="hu-HU" dirty="0">
+                <a:latin typeface="Calibri" panose="020F0502020204030204" pitchFamily="34" charset="0"/>
+              </a:rPr>
+              <a:t>Memória választás</a:t>
+            </a:r>
+          </a:p>
+        </p:txBody>
+      </p:sp>
+      <p:sp>
+        <p:nvSpPr>
+          <p:cNvPr id="11" name="TextBox 10">
+            <a:extLst>
+              <a:ext uri="{FF2B5EF4-FFF2-40B4-BE49-F238E27FC236}">
+                <a16:creationId xmlns:a16="http://schemas.microsoft.com/office/drawing/2014/main" id="{D206C4B7-7951-8EEA-3448-FBDC1E520E4D}"/>
+              </a:ext>
+            </a:extLst>
+          </p:cNvPr>
+          <p:cNvSpPr txBox="1"/>
+          <p:nvPr/>
+        </p:nvSpPr>
+        <p:spPr>
+          <a:xfrm>
+            <a:off x="77398" y="3006196"/>
+            <a:ext cx="2478024" cy="646331"/>
+          </a:xfrm>
+          <a:prstGeom prst="rect">
+            <a:avLst/>
+          </a:prstGeom>
+          <a:noFill/>
+        </p:spPr>
+        <p:txBody>
+          <a:bodyPr wrap="square" rtlCol="0">
+            <a:spAutoFit/>
+          </a:bodyPr>
+          <a:lstStyle/>
+          <a:p>
+            <a:r>
+              <a:rPr lang="hu-HU" dirty="0">
+                <a:latin typeface="Calibri" panose="020F0502020204030204" pitchFamily="34" charset="0"/>
+              </a:rPr>
+              <a:t>Beállítások betöltése, 9 memória hely van</a:t>
+            </a:r>
+          </a:p>
+        </p:txBody>
+      </p:sp>
+      <p:cxnSp>
+        <p:nvCxnSpPr>
+          <p:cNvPr id="73" name="Straight Arrow Connector 72">
+            <a:extLst>
+              <a:ext uri="{FF2B5EF4-FFF2-40B4-BE49-F238E27FC236}">
+                <a16:creationId xmlns:a16="http://schemas.microsoft.com/office/drawing/2014/main" id="{AC14B39C-CA3B-B143-E607-4432A2420F36}"/>
+              </a:ext>
+            </a:extLst>
+          </p:cNvPr>
+          <p:cNvCxnSpPr>
+            <a:cxnSpLocks/>
+          </p:cNvCxnSpPr>
+          <p:nvPr/>
+        </p:nvCxnSpPr>
+        <p:spPr>
+          <a:xfrm>
+            <a:off x="2555422" y="3582120"/>
+            <a:ext cx="1412748" cy="0"/>
+          </a:xfrm>
+          <a:prstGeom prst="straightConnector1">
+            <a:avLst/>
+          </a:prstGeom>
+          <a:ln>
+            <a:tailEnd type="triangle"/>
+          </a:ln>
+        </p:spPr>
+        <p:style>
+          <a:lnRef idx="2">
+            <a:schemeClr val="accent1"/>
+          </a:lnRef>
+          <a:fillRef idx="0">
+            <a:schemeClr val="accent1"/>
+          </a:fillRef>
+          <a:effectRef idx="1">
+            <a:schemeClr val="accent1"/>
+          </a:effectRef>
+          <a:fontRef idx="minor">
+            <a:schemeClr val="tx1"/>
+          </a:fontRef>
+        </p:style>
+      </p:cxnSp>
+      <p:cxnSp>
+        <p:nvCxnSpPr>
+          <p:cNvPr id="76" name="Straight Arrow Connector 75">
+            <a:extLst>
+              <a:ext uri="{FF2B5EF4-FFF2-40B4-BE49-F238E27FC236}">
+                <a16:creationId xmlns:a16="http://schemas.microsoft.com/office/drawing/2014/main" id="{375455C2-27C0-75C6-04BD-9698A71ECD8B}"/>
+              </a:ext>
+            </a:extLst>
+          </p:cNvPr>
+          <p:cNvCxnSpPr/>
+          <p:nvPr/>
+        </p:nvCxnSpPr>
+        <p:spPr>
+          <a:xfrm flipH="1">
+            <a:off x="2555422" y="2803131"/>
+            <a:ext cx="1412748" cy="0"/>
+          </a:xfrm>
+          <a:prstGeom prst="straightConnector1">
+            <a:avLst/>
+          </a:prstGeom>
+          <a:ln>
+            <a:tailEnd type="triangle"/>
+          </a:ln>
+        </p:spPr>
+        <p:style>
+          <a:lnRef idx="2">
+            <a:schemeClr val="accent1"/>
+          </a:lnRef>
+          <a:fillRef idx="0">
+            <a:schemeClr val="accent1"/>
+          </a:fillRef>
+          <a:effectRef idx="1">
+            <a:schemeClr val="accent1"/>
+          </a:effectRef>
+          <a:fontRef idx="minor">
+            <a:schemeClr val="tx1"/>
+          </a:fontRef>
+        </p:style>
+      </p:cxnSp>
+      <p:cxnSp>
+        <p:nvCxnSpPr>
+          <p:cNvPr id="78" name="Straight Arrow Connector 77">
+            <a:extLst>
+              <a:ext uri="{FF2B5EF4-FFF2-40B4-BE49-F238E27FC236}">
+                <a16:creationId xmlns:a16="http://schemas.microsoft.com/office/drawing/2014/main" id="{E8942BE6-AA58-B704-0ABC-791BDC75823F}"/>
+              </a:ext>
+            </a:extLst>
+          </p:cNvPr>
+          <p:cNvCxnSpPr/>
+          <p:nvPr/>
+        </p:nvCxnSpPr>
+        <p:spPr>
+          <a:xfrm flipH="1">
+            <a:off x="2348158" y="3761613"/>
+            <a:ext cx="1620012" cy="1403239"/>
+          </a:xfrm>
+          <a:prstGeom prst="straightConnector1">
+            <a:avLst/>
+          </a:prstGeom>
+          <a:ln>
+            <a:tailEnd type="triangle"/>
+          </a:ln>
+        </p:spPr>
+        <p:style>
+          <a:lnRef idx="2">
+            <a:schemeClr val="accent1"/>
+          </a:lnRef>
+          <a:fillRef idx="0">
+            <a:schemeClr val="accent1"/>
+          </a:fillRef>
+          <a:effectRef idx="1">
+            <a:schemeClr val="accent1"/>
+          </a:effectRef>
+          <a:fontRef idx="minor">
+            <a:schemeClr val="tx1"/>
+          </a:fontRef>
+        </p:style>
+      </p:cxnSp>
+      <p:cxnSp>
+        <p:nvCxnSpPr>
+          <p:cNvPr id="80" name="Straight Arrow Connector 79">
+            <a:extLst>
+              <a:ext uri="{FF2B5EF4-FFF2-40B4-BE49-F238E27FC236}">
+                <a16:creationId xmlns:a16="http://schemas.microsoft.com/office/drawing/2014/main" id="{7CDFE464-B4B2-9E50-BDB6-695B696C6ACB}"/>
+              </a:ext>
+            </a:extLst>
+          </p:cNvPr>
+          <p:cNvCxnSpPr/>
+          <p:nvPr/>
+        </p:nvCxnSpPr>
+        <p:spPr>
+          <a:xfrm flipV="1">
+            <a:off x="3500302" y="3947925"/>
+            <a:ext cx="1271016" cy="1216927"/>
+          </a:xfrm>
+          <a:prstGeom prst="straightConnector1">
+            <a:avLst/>
+          </a:prstGeom>
+          <a:ln>
+            <a:tailEnd type="triangle"/>
+          </a:ln>
+        </p:spPr>
+        <p:style>
+          <a:lnRef idx="2">
+            <a:schemeClr val="accent1"/>
+          </a:lnRef>
+          <a:fillRef idx="0">
+            <a:schemeClr val="accent1"/>
+          </a:fillRef>
+          <a:effectRef idx="1">
+            <a:schemeClr val="accent1"/>
+          </a:effectRef>
+          <a:fontRef idx="minor">
+            <a:schemeClr val="tx1"/>
+          </a:fontRef>
+        </p:style>
+      </p:cxnSp>
+      <p:cxnSp>
+        <p:nvCxnSpPr>
+          <p:cNvPr id="83" name="Straight Arrow Connector 82">
+            <a:extLst>
+              <a:ext uri="{FF2B5EF4-FFF2-40B4-BE49-F238E27FC236}">
+                <a16:creationId xmlns:a16="http://schemas.microsoft.com/office/drawing/2014/main" id="{394ADE09-336A-23D6-5240-02DA3117D26E}"/>
+              </a:ext>
+            </a:extLst>
+          </p:cNvPr>
+          <p:cNvCxnSpPr/>
+          <p:nvPr/>
+        </p:nvCxnSpPr>
+        <p:spPr>
+          <a:xfrm>
+            <a:off x="5786302" y="3947925"/>
+            <a:ext cx="1609344" cy="1216927"/>
+          </a:xfrm>
+          <a:prstGeom prst="straightConnector1">
+            <a:avLst/>
+          </a:prstGeom>
+          <a:ln>
+            <a:tailEnd type="triangle"/>
+          </a:ln>
+        </p:spPr>
+        <p:style>
+          <a:lnRef idx="2">
+            <a:schemeClr val="accent1"/>
+          </a:lnRef>
+          <a:fillRef idx="0">
+            <a:schemeClr val="accent1"/>
+          </a:fillRef>
+          <a:effectRef idx="1">
+            <a:schemeClr val="accent1"/>
+          </a:effectRef>
+          <a:fontRef idx="minor">
+            <a:schemeClr val="tx1"/>
+          </a:fontRef>
+        </p:style>
+      </p:cxnSp>
+      <p:cxnSp>
+        <p:nvCxnSpPr>
+          <p:cNvPr id="85" name="Straight Arrow Connector 84">
+            <a:extLst>
+              <a:ext uri="{FF2B5EF4-FFF2-40B4-BE49-F238E27FC236}">
+                <a16:creationId xmlns:a16="http://schemas.microsoft.com/office/drawing/2014/main" id="{0FC25B23-EB33-01B1-18A2-4212E8A2DD2E}"/>
+              </a:ext>
+            </a:extLst>
+          </p:cNvPr>
+          <p:cNvCxnSpPr>
+            <a:stCxn id="18" idx="0"/>
+          </p:cNvCxnSpPr>
+          <p:nvPr/>
+        </p:nvCxnSpPr>
+        <p:spPr>
+          <a:xfrm flipH="1" flipV="1">
+            <a:off x="6446194" y="3761613"/>
+            <a:ext cx="1778507" cy="1403239"/>
+          </a:xfrm>
+          <a:prstGeom prst="straightConnector1">
+            <a:avLst/>
+          </a:prstGeom>
+          <a:ln>
+            <a:tailEnd type="triangle"/>
+          </a:ln>
+        </p:spPr>
+        <p:style>
+          <a:lnRef idx="2">
+            <a:schemeClr val="accent1"/>
+          </a:lnRef>
+          <a:fillRef idx="0">
+            <a:schemeClr val="accent1"/>
+          </a:fillRef>
+          <a:effectRef idx="1">
+            <a:schemeClr val="accent1"/>
+          </a:effectRef>
+          <a:fontRef idx="minor">
+            <a:schemeClr val="tx1"/>
+          </a:fontRef>
+        </p:style>
+      </p:cxnSp>
+      <p:cxnSp>
+        <p:nvCxnSpPr>
+          <p:cNvPr id="86" name="Straight Arrow Connector 85">
+            <a:extLst>
+              <a:ext uri="{FF2B5EF4-FFF2-40B4-BE49-F238E27FC236}">
+                <a16:creationId xmlns:a16="http://schemas.microsoft.com/office/drawing/2014/main" id="{569896E9-F4BA-FBA7-70DB-959E7E6021D7}"/>
+              </a:ext>
+            </a:extLst>
+          </p:cNvPr>
+          <p:cNvCxnSpPr>
+            <a:cxnSpLocks/>
+          </p:cNvCxnSpPr>
+          <p:nvPr/>
+        </p:nvCxnSpPr>
+        <p:spPr>
+          <a:xfrm>
+            <a:off x="6446194" y="2803131"/>
+            <a:ext cx="1412748" cy="0"/>
+          </a:xfrm>
+          <a:prstGeom prst="straightConnector1">
+            <a:avLst/>
+          </a:prstGeom>
+          <a:ln>
+            <a:tailEnd type="triangle"/>
+          </a:ln>
+        </p:spPr>
+        <p:style>
+          <a:lnRef idx="2">
+            <a:schemeClr val="accent1"/>
+          </a:lnRef>
+          <a:fillRef idx="0">
+            <a:schemeClr val="accent1"/>
+          </a:fillRef>
+          <a:effectRef idx="1">
+            <a:schemeClr val="accent1"/>
+          </a:effectRef>
+          <a:fontRef idx="minor">
+            <a:schemeClr val="tx1"/>
+          </a:fontRef>
+        </p:style>
+      </p:cxnSp>
+      <p:cxnSp>
+        <p:nvCxnSpPr>
+          <p:cNvPr id="87" name="Straight Arrow Connector 86">
+            <a:extLst>
+              <a:ext uri="{FF2B5EF4-FFF2-40B4-BE49-F238E27FC236}">
+                <a16:creationId xmlns:a16="http://schemas.microsoft.com/office/drawing/2014/main" id="{56EC358D-A83A-FF3D-6E03-2CD77EDA1537}"/>
+              </a:ext>
+            </a:extLst>
+          </p:cNvPr>
+          <p:cNvCxnSpPr/>
+          <p:nvPr/>
+        </p:nvCxnSpPr>
+        <p:spPr>
+          <a:xfrm flipH="1">
+            <a:off x="6446194" y="3582120"/>
+            <a:ext cx="1412748" cy="0"/>
+          </a:xfrm>
+          <a:prstGeom prst="straightConnector1">
+            <a:avLst/>
+          </a:prstGeom>
+          <a:ln>
+            <a:tailEnd type="triangle"/>
+          </a:ln>
+        </p:spPr>
+        <p:style>
+          <a:lnRef idx="2">
+            <a:schemeClr val="accent1"/>
+          </a:lnRef>
+          <a:fillRef idx="0">
+            <a:schemeClr val="accent1"/>
+          </a:fillRef>
+          <a:effectRef idx="1">
+            <a:schemeClr val="accent1"/>
+          </a:effectRef>
+          <a:fontRef idx="minor">
+            <a:schemeClr val="tx1"/>
+          </a:fontRef>
+        </p:style>
+      </p:cxnSp>
+      <p:sp>
+        <p:nvSpPr>
+          <p:cNvPr id="90" name="TextBox 89">
+            <a:extLst>
+              <a:ext uri="{FF2B5EF4-FFF2-40B4-BE49-F238E27FC236}">
+                <a16:creationId xmlns:a16="http://schemas.microsoft.com/office/drawing/2014/main" id="{B0486FE6-A869-DD1E-F17F-32CF3F3D24D7}"/>
+              </a:ext>
+            </a:extLst>
+          </p:cNvPr>
+          <p:cNvSpPr txBox="1"/>
+          <p:nvPr/>
+        </p:nvSpPr>
+        <p:spPr>
+          <a:xfrm>
+            <a:off x="2933268" y="2481276"/>
+            <a:ext cx="691215" cy="369332"/>
+          </a:xfrm>
+          <a:prstGeom prst="rect">
+            <a:avLst/>
+          </a:prstGeom>
+          <a:solidFill>
+            <a:schemeClr val="accent4">
+              <a:lumMod val="20000"/>
+              <a:lumOff val="80000"/>
+            </a:schemeClr>
+          </a:solidFill>
+        </p:spPr>
+        <p:style>
+          <a:lnRef idx="2">
+            <a:schemeClr val="accent1"/>
+          </a:lnRef>
+          <a:fillRef idx="1">
+            <a:schemeClr val="lt1"/>
+          </a:fillRef>
+          <a:effectRef idx="0">
+            <a:schemeClr val="accent1"/>
+          </a:effectRef>
+          <a:fontRef idx="minor">
+            <a:schemeClr val="dk1"/>
+          </a:fontRef>
+        </p:style>
+        <p:txBody>
+          <a:bodyPr wrap="none" rtlCol="0">
+            <a:spAutoFit/>
+          </a:bodyPr>
+          <a:lstStyle/>
+          <a:p>
+            <a:r>
+              <a:rPr lang="hu-HU" dirty="0">
+                <a:latin typeface="Calibri" panose="020F0502020204030204" pitchFamily="34" charset="0"/>
+              </a:rPr>
+              <a:t>MEM</a:t>
+            </a:r>
+          </a:p>
+        </p:txBody>
+      </p:sp>
+      <p:sp>
+        <p:nvSpPr>
+          <p:cNvPr id="91" name="TextBox 90">
+            <a:extLst>
+              <a:ext uri="{FF2B5EF4-FFF2-40B4-BE49-F238E27FC236}">
+                <a16:creationId xmlns:a16="http://schemas.microsoft.com/office/drawing/2014/main" id="{BEA7F4B8-2018-19D5-8DA2-8007CAFC4CD5}"/>
+              </a:ext>
+            </a:extLst>
+          </p:cNvPr>
+          <p:cNvSpPr txBox="1"/>
+          <p:nvPr/>
+        </p:nvSpPr>
+        <p:spPr>
+          <a:xfrm>
+            <a:off x="3015112" y="3190862"/>
+            <a:ext cx="457176" cy="369332"/>
+          </a:xfrm>
+          <a:prstGeom prst="rect">
+            <a:avLst/>
+          </a:prstGeom>
+          <a:solidFill>
+            <a:schemeClr val="accent4">
+              <a:lumMod val="20000"/>
+              <a:lumOff val="80000"/>
+            </a:schemeClr>
+          </a:solidFill>
+        </p:spPr>
+        <p:style>
+          <a:lnRef idx="2">
+            <a:schemeClr val="accent1"/>
+          </a:lnRef>
+          <a:fillRef idx="1">
+            <a:schemeClr val="lt1"/>
+          </a:fillRef>
+          <a:effectRef idx="0">
+            <a:schemeClr val="accent1"/>
+          </a:effectRef>
+          <a:fontRef idx="minor">
+            <a:schemeClr val="dk1"/>
+          </a:fontRef>
+        </p:style>
+        <p:txBody>
+          <a:bodyPr wrap="none" rtlCol="0">
+            <a:spAutoFit/>
+          </a:bodyPr>
+          <a:lstStyle/>
+          <a:p>
+            <a:r>
+              <a:rPr lang="hu-HU" dirty="0">
+                <a:latin typeface="Calibri" panose="020F0502020204030204" pitchFamily="34" charset="0"/>
+              </a:rPr>
+              <a:t>OK</a:t>
+            </a:r>
+          </a:p>
+        </p:txBody>
+      </p:sp>
+      <p:sp>
+        <p:nvSpPr>
+          <p:cNvPr id="92" name="TextBox 91">
+            <a:extLst>
+              <a:ext uri="{FF2B5EF4-FFF2-40B4-BE49-F238E27FC236}">
+                <a16:creationId xmlns:a16="http://schemas.microsoft.com/office/drawing/2014/main" id="{9CD6DDC4-C5ED-AEF5-716B-CC83D2A33073}"/>
+              </a:ext>
+            </a:extLst>
+          </p:cNvPr>
+          <p:cNvSpPr txBox="1"/>
+          <p:nvPr/>
+        </p:nvSpPr>
+        <p:spPr>
+          <a:xfrm>
+            <a:off x="6634573" y="2424611"/>
+            <a:ext cx="989566" cy="369332"/>
+          </a:xfrm>
+          <a:prstGeom prst="rect">
+            <a:avLst/>
+          </a:prstGeom>
+          <a:solidFill>
+            <a:schemeClr val="accent4">
+              <a:lumMod val="20000"/>
+              <a:lumOff val="80000"/>
+            </a:schemeClr>
+          </a:solidFill>
+        </p:spPr>
+        <p:style>
+          <a:lnRef idx="2">
+            <a:schemeClr val="accent1"/>
+          </a:lnRef>
+          <a:fillRef idx="1">
+            <a:schemeClr val="lt1"/>
+          </a:fillRef>
+          <a:effectRef idx="0">
+            <a:schemeClr val="accent1"/>
+          </a:effectRef>
+          <a:fontRef idx="minor">
+            <a:schemeClr val="dk1"/>
+          </a:fontRef>
+        </p:style>
+        <p:txBody>
+          <a:bodyPr wrap="none" rtlCol="0">
+            <a:spAutoFit/>
+          </a:bodyPr>
+          <a:lstStyle/>
+          <a:p>
+            <a:r>
+              <a:rPr lang="hu-HU" dirty="0">
+                <a:latin typeface="Calibri" panose="020F0502020204030204" pitchFamily="34" charset="0"/>
+              </a:rPr>
+              <a:t>REMOTE</a:t>
+            </a:r>
+          </a:p>
+        </p:txBody>
+      </p:sp>
+      <p:sp>
+        <p:nvSpPr>
+          <p:cNvPr id="93" name="TextBox 92">
+            <a:extLst>
+              <a:ext uri="{FF2B5EF4-FFF2-40B4-BE49-F238E27FC236}">
+                <a16:creationId xmlns:a16="http://schemas.microsoft.com/office/drawing/2014/main" id="{96C27740-569D-81B8-40DE-0AED220AAE66}"/>
+              </a:ext>
+            </a:extLst>
+          </p:cNvPr>
+          <p:cNvSpPr txBox="1"/>
+          <p:nvPr/>
+        </p:nvSpPr>
+        <p:spPr>
+          <a:xfrm>
+            <a:off x="6634572" y="3244582"/>
+            <a:ext cx="989566" cy="369332"/>
+          </a:xfrm>
+          <a:prstGeom prst="rect">
+            <a:avLst/>
+          </a:prstGeom>
+          <a:solidFill>
+            <a:schemeClr val="accent4">
+              <a:lumMod val="20000"/>
+              <a:lumOff val="80000"/>
+            </a:schemeClr>
+          </a:solidFill>
+        </p:spPr>
+        <p:style>
+          <a:lnRef idx="2">
+            <a:schemeClr val="accent1"/>
+          </a:lnRef>
+          <a:fillRef idx="1">
+            <a:schemeClr val="lt1"/>
+          </a:fillRef>
+          <a:effectRef idx="0">
+            <a:schemeClr val="accent1"/>
+          </a:effectRef>
+          <a:fontRef idx="minor">
+            <a:schemeClr val="dk1"/>
+          </a:fontRef>
+        </p:style>
+        <p:txBody>
+          <a:bodyPr wrap="none" rtlCol="0">
+            <a:spAutoFit/>
+          </a:bodyPr>
+          <a:lstStyle/>
+          <a:p>
+            <a:r>
+              <a:rPr lang="hu-HU" dirty="0">
+                <a:latin typeface="Calibri" panose="020F0502020204030204" pitchFamily="34" charset="0"/>
+              </a:rPr>
+              <a:t>REMOTE</a:t>
+            </a:r>
+          </a:p>
+        </p:txBody>
+      </p:sp>
+      <p:sp>
+        <p:nvSpPr>
+          <p:cNvPr id="94" name="TextBox 93">
+            <a:extLst>
+              <a:ext uri="{FF2B5EF4-FFF2-40B4-BE49-F238E27FC236}">
+                <a16:creationId xmlns:a16="http://schemas.microsoft.com/office/drawing/2014/main" id="{EC8FFD57-38DF-7B71-1D2C-DD5BAE6EBA8D}"/>
+              </a:ext>
+            </a:extLst>
+          </p:cNvPr>
+          <p:cNvSpPr txBox="1"/>
+          <p:nvPr/>
+        </p:nvSpPr>
+        <p:spPr>
+          <a:xfrm>
+            <a:off x="2752121" y="4059793"/>
+            <a:ext cx="514885" cy="369332"/>
+          </a:xfrm>
+          <a:prstGeom prst="rect">
+            <a:avLst/>
+          </a:prstGeom>
+          <a:solidFill>
+            <a:schemeClr val="accent4">
+              <a:lumMod val="20000"/>
+              <a:lumOff val="80000"/>
+            </a:schemeClr>
+          </a:solidFill>
+        </p:spPr>
+        <p:style>
+          <a:lnRef idx="2">
+            <a:schemeClr val="accent1"/>
+          </a:lnRef>
+          <a:fillRef idx="1">
+            <a:schemeClr val="lt1"/>
+          </a:fillRef>
+          <a:effectRef idx="0">
+            <a:schemeClr val="accent1"/>
+          </a:effectRef>
+          <a:fontRef idx="minor">
+            <a:schemeClr val="dk1"/>
+          </a:fontRef>
+        </p:style>
+        <p:txBody>
+          <a:bodyPr wrap="none" rtlCol="0">
+            <a:spAutoFit/>
+          </a:bodyPr>
+          <a:lstStyle/>
+          <a:p>
+            <a:r>
+              <a:rPr lang="hu-HU" dirty="0">
+                <a:latin typeface="Calibri" panose="020F0502020204030204" pitchFamily="34" charset="0"/>
+              </a:rPr>
+              <a:t>SET</a:t>
+            </a:r>
+          </a:p>
+        </p:txBody>
+      </p:sp>
+      <p:sp>
+        <p:nvSpPr>
+          <p:cNvPr id="95" name="TextBox 94">
+            <a:extLst>
+              <a:ext uri="{FF2B5EF4-FFF2-40B4-BE49-F238E27FC236}">
+                <a16:creationId xmlns:a16="http://schemas.microsoft.com/office/drawing/2014/main" id="{FE89D2BD-3205-A64E-1587-045372731542}"/>
+              </a:ext>
+            </a:extLst>
+          </p:cNvPr>
+          <p:cNvSpPr txBox="1"/>
+          <p:nvPr/>
+        </p:nvSpPr>
+        <p:spPr>
+          <a:xfrm>
+            <a:off x="3594252" y="4057011"/>
+            <a:ext cx="1441485" cy="369332"/>
+          </a:xfrm>
+          <a:prstGeom prst="rect">
+            <a:avLst/>
+          </a:prstGeom>
+          <a:solidFill>
+            <a:schemeClr val="accent3">
+              <a:lumMod val="40000"/>
+              <a:lumOff val="60000"/>
+            </a:schemeClr>
+          </a:solidFill>
+          <a:ln>
+            <a:solidFill>
+              <a:schemeClr val="accent3">
+                <a:lumMod val="50000"/>
+              </a:schemeClr>
+            </a:solidFill>
+          </a:ln>
+        </p:spPr>
+        <p:style>
+          <a:lnRef idx="2">
+            <a:schemeClr val="accent1"/>
+          </a:lnRef>
+          <a:fillRef idx="1">
+            <a:schemeClr val="lt1"/>
+          </a:fillRef>
+          <a:effectRef idx="0">
+            <a:schemeClr val="accent1"/>
+          </a:effectRef>
+          <a:fontRef idx="minor">
+            <a:schemeClr val="dk1"/>
+          </a:fontRef>
+        </p:style>
+        <p:txBody>
+          <a:bodyPr wrap="none" rtlCol="0">
+            <a:spAutoFit/>
+          </a:bodyPr>
+          <a:lstStyle/>
+          <a:p>
+            <a:r>
+              <a:rPr lang="hu-HU" dirty="0">
+                <a:latin typeface="Calibri" panose="020F0502020204030204" pitchFamily="34" charset="0"/>
+              </a:rPr>
+              <a:t>Mozgás vége</a:t>
+            </a:r>
+          </a:p>
+        </p:txBody>
+      </p:sp>
+      <p:sp>
+        <p:nvSpPr>
+          <p:cNvPr id="96" name="TextBox 95">
+            <a:extLst>
+              <a:ext uri="{FF2B5EF4-FFF2-40B4-BE49-F238E27FC236}">
+                <a16:creationId xmlns:a16="http://schemas.microsoft.com/office/drawing/2014/main" id="{DC244EFA-9782-5378-B312-799596AC2D05}"/>
+              </a:ext>
+            </a:extLst>
+          </p:cNvPr>
+          <p:cNvSpPr txBox="1"/>
+          <p:nvPr/>
+        </p:nvSpPr>
+        <p:spPr>
+          <a:xfrm>
+            <a:off x="5235460" y="4517773"/>
+            <a:ext cx="1776064" cy="369332"/>
+          </a:xfrm>
+          <a:prstGeom prst="rect">
+            <a:avLst/>
+          </a:prstGeom>
+          <a:solidFill>
+            <a:schemeClr val="accent4">
+              <a:lumMod val="20000"/>
+              <a:lumOff val="80000"/>
+            </a:schemeClr>
+          </a:solidFill>
+        </p:spPr>
+        <p:style>
+          <a:lnRef idx="2">
+            <a:schemeClr val="accent1"/>
+          </a:lnRef>
+          <a:fillRef idx="1">
+            <a:schemeClr val="lt1"/>
+          </a:fillRef>
+          <a:effectRef idx="0">
+            <a:schemeClr val="accent1"/>
+          </a:effectRef>
+          <a:fontRef idx="minor">
+            <a:schemeClr val="dk1"/>
+          </a:fontRef>
+        </p:style>
+        <p:txBody>
+          <a:bodyPr wrap="none" rtlCol="0">
+            <a:spAutoFit/>
+          </a:bodyPr>
+          <a:lstStyle/>
+          <a:p>
+            <a:r>
+              <a:rPr lang="hu-HU" dirty="0">
+                <a:latin typeface="Calibri" panose="020F0502020204030204" pitchFamily="34" charset="0"/>
+              </a:rPr>
+              <a:t>Szabad mozgatás</a:t>
+            </a:r>
+          </a:p>
+        </p:txBody>
+      </p:sp>
+      <p:sp>
+        <p:nvSpPr>
+          <p:cNvPr id="97" name="TextBox 96">
+            <a:extLst>
+              <a:ext uri="{FF2B5EF4-FFF2-40B4-BE49-F238E27FC236}">
+                <a16:creationId xmlns:a16="http://schemas.microsoft.com/office/drawing/2014/main" id="{E1551ECF-A659-6F00-2FBC-96BB3A7BC51E}"/>
+              </a:ext>
+            </a:extLst>
+          </p:cNvPr>
+          <p:cNvSpPr txBox="1"/>
+          <p:nvPr/>
+        </p:nvSpPr>
+        <p:spPr>
+          <a:xfrm>
+            <a:off x="7503840" y="4307825"/>
+            <a:ext cx="1776064" cy="369332"/>
+          </a:xfrm>
+          <a:prstGeom prst="rect">
+            <a:avLst/>
+          </a:prstGeom>
+          <a:solidFill>
+            <a:schemeClr val="accent4">
+              <a:lumMod val="20000"/>
+              <a:lumOff val="80000"/>
+            </a:schemeClr>
+          </a:solidFill>
+        </p:spPr>
+        <p:style>
+          <a:lnRef idx="2">
+            <a:schemeClr val="accent1"/>
+          </a:lnRef>
+          <a:fillRef idx="1">
+            <a:schemeClr val="lt1"/>
+          </a:fillRef>
+          <a:effectRef idx="0">
+            <a:schemeClr val="accent1"/>
+          </a:effectRef>
+          <a:fontRef idx="minor">
+            <a:schemeClr val="dk1"/>
+          </a:fontRef>
+        </p:style>
+        <p:txBody>
+          <a:bodyPr wrap="none" rtlCol="0">
+            <a:spAutoFit/>
+          </a:bodyPr>
+          <a:lstStyle/>
+          <a:p>
+            <a:r>
+              <a:rPr lang="hu-HU" dirty="0">
+                <a:latin typeface="Calibri" panose="020F0502020204030204" pitchFamily="34" charset="0"/>
+              </a:rPr>
+              <a:t>Szabad mozgatás</a:t>
+            </a:r>
+          </a:p>
+        </p:txBody>
+      </p:sp>
+      <p:sp>
+        <p:nvSpPr>
+          <p:cNvPr id="32" name="Téglalap: lekerekített 31">
+            <a:extLst>
+              <a:ext uri="{FF2B5EF4-FFF2-40B4-BE49-F238E27FC236}">
+                <a16:creationId xmlns:a16="http://schemas.microsoft.com/office/drawing/2014/main" id="{73A679D3-7060-AB86-E877-5DE01864C781}"/>
+              </a:ext>
+            </a:extLst>
+          </p:cNvPr>
+          <p:cNvSpPr/>
+          <p:nvPr/>
+        </p:nvSpPr>
+        <p:spPr>
+          <a:xfrm>
+            <a:off x="-1" y="0"/>
+            <a:ext cx="3801105" cy="797492"/>
+          </a:xfrm>
+          <a:prstGeom prst="roundRect">
+            <a:avLst/>
+          </a:prstGeom>
+          <a:solidFill>
+            <a:schemeClr val="bg2">
+              <a:lumMod val="75000"/>
+            </a:schemeClr>
+          </a:solidFill>
+          <a:ln>
+            <a:solidFill>
+              <a:schemeClr val="tx1">
+                <a:lumMod val="95000"/>
+                <a:lumOff val="5000"/>
+              </a:schemeClr>
+            </a:solidFill>
+          </a:ln>
+        </p:spPr>
+        <p:style>
+          <a:lnRef idx="1">
+            <a:schemeClr val="dk1"/>
+          </a:lnRef>
+          <a:fillRef idx="2">
+            <a:schemeClr val="dk1"/>
+          </a:fillRef>
+          <a:effectRef idx="1">
+            <a:schemeClr val="dk1"/>
+          </a:effectRef>
+          <a:fontRef idx="minor">
+            <a:schemeClr val="dk1"/>
+          </a:fontRef>
+        </p:style>
+        <p:txBody>
+          <a:bodyPr rtlCol="0" anchor="ctr"/>
+          <a:lstStyle/>
+          <a:p>
+            <a:r>
+              <a:rPr lang="hu-HU" sz="6000" dirty="0">
+                <a:latin typeface="Calibri" panose="020F0502020204030204" pitchFamily="34" charset="0"/>
+              </a:rPr>
+              <a:t>Állapotgép</a:t>
+            </a:r>
+          </a:p>
+        </p:txBody>
+      </p:sp>
+      <p:sp>
+        <p:nvSpPr>
+          <p:cNvPr id="33" name="Ellipszis 32">
+            <a:extLst>
+              <a:ext uri="{FF2B5EF4-FFF2-40B4-BE49-F238E27FC236}">
+                <a16:creationId xmlns:a16="http://schemas.microsoft.com/office/drawing/2014/main" id="{8CB4BD71-ABE8-AD14-ED04-DEB84FFD1C7E}"/>
+              </a:ext>
+            </a:extLst>
+          </p:cNvPr>
+          <p:cNvSpPr/>
+          <p:nvPr/>
+        </p:nvSpPr>
+        <p:spPr>
+          <a:xfrm>
+            <a:off x="4590343" y="1962763"/>
+            <a:ext cx="361950" cy="361950"/>
+          </a:xfrm>
+          <a:prstGeom prst="ellipse">
+            <a:avLst/>
+          </a:prstGeom>
+        </p:spPr>
+        <p:style>
+          <a:lnRef idx="2">
+            <a:schemeClr val="dk1">
+              <a:shade val="15000"/>
+            </a:schemeClr>
+          </a:lnRef>
+          <a:fillRef idx="1">
+            <a:schemeClr val="dk1"/>
+          </a:fillRef>
+          <a:effectRef idx="0">
+            <a:schemeClr val="dk1"/>
+          </a:effectRef>
+          <a:fontRef idx="minor">
+            <a:schemeClr val="lt1"/>
+          </a:fontRef>
+        </p:style>
+        <p:txBody>
+          <a:bodyPr rtlCol="0" anchor="ctr"/>
+          <a:lstStyle/>
+          <a:p>
+            <a:pPr algn="ctr"/>
+            <a:endParaRPr lang="hu-HU" dirty="0">
+              <a:latin typeface="Calibri" panose="020F0502020204030204" pitchFamily="34" charset="0"/>
+            </a:endParaRPr>
+          </a:p>
+        </p:txBody>
+      </p:sp>
+      <p:cxnSp>
+        <p:nvCxnSpPr>
+          <p:cNvPr id="37" name="Egyenes összekötő nyíllal 36">
+            <a:extLst>
+              <a:ext uri="{FF2B5EF4-FFF2-40B4-BE49-F238E27FC236}">
+                <a16:creationId xmlns:a16="http://schemas.microsoft.com/office/drawing/2014/main" id="{5576006A-FA73-726B-87E2-1B224754987A}"/>
+              </a:ext>
+            </a:extLst>
+          </p:cNvPr>
+          <p:cNvCxnSpPr>
+            <a:cxnSpLocks/>
+            <a:stCxn id="33" idx="5"/>
+            <a:endCxn id="5" idx="0"/>
+          </p:cNvCxnSpPr>
+          <p:nvPr/>
+        </p:nvCxnSpPr>
+        <p:spPr>
+          <a:xfrm>
+            <a:off x="4899287" y="2271707"/>
+            <a:ext cx="307895" cy="162092"/>
+          </a:xfrm>
+          <a:prstGeom prst="straightConnector1">
+            <a:avLst/>
+          </a:prstGeom>
+          <a:ln>
+            <a:tailEnd type="triangle"/>
+          </a:ln>
+        </p:spPr>
+        <p:style>
+          <a:lnRef idx="2">
+            <a:schemeClr val="accent1"/>
+          </a:lnRef>
+          <a:fillRef idx="0">
+            <a:schemeClr val="accent1"/>
+          </a:fillRef>
+          <a:effectRef idx="1">
+            <a:schemeClr val="accent1"/>
+          </a:effectRef>
+          <a:fontRef idx="minor">
+            <a:schemeClr val="tx1"/>
+          </a:fontRef>
+        </p:style>
+      </p:cxnSp>
+      <p:pic>
+        <p:nvPicPr>
+          <p:cNvPr id="2" name="Kép 13" descr="A képen szöveg, kézírás, rajz, tinta látható&#10;&#10;Előfordulhat, hogy a mesterséges intelligencia által létrehozott tartalom helytelen.">
+            <a:extLst>
+              <a:ext uri="{FF2B5EF4-FFF2-40B4-BE49-F238E27FC236}">
+                <a16:creationId xmlns:a16="http://schemas.microsoft.com/office/drawing/2014/main" id="{FB0CBB45-8418-F02F-9BF8-3669BFE8A2E9}"/>
+              </a:ext>
+            </a:extLst>
+          </p:cNvPr>
+          <p:cNvPicPr>
+            <a:picLocks noChangeAspect="1"/>
+          </p:cNvPicPr>
+          <p:nvPr/>
+        </p:nvPicPr>
+        <p:blipFill>
+          <a:blip r:embed="rId2">
+            <a:extLst>
+              <a:ext uri="{28A0092B-C50C-407E-A947-70E740481C1C}">
+                <a14:useLocalDpi xmlns:a14="http://schemas.microsoft.com/office/drawing/2010/main" val="0"/>
+              </a:ext>
+            </a:extLst>
+          </a:blip>
+          <a:srcRect l="61387" t="5757" r="2907" b="78488"/>
+          <a:stretch/>
+        </p:blipFill>
+        <p:spPr>
+          <a:xfrm>
+            <a:off x="8574841" y="130398"/>
+            <a:ext cx="3164527" cy="1973987"/>
+          </a:xfrm>
+          <a:prstGeom prst="rect">
+            <a:avLst/>
+          </a:prstGeom>
+        </p:spPr>
+      </p:pic>
+      <p:sp>
+        <p:nvSpPr>
+          <p:cNvPr id="3" name="Slide Number Placeholder 2">
+            <a:extLst>
+              <a:ext uri="{FF2B5EF4-FFF2-40B4-BE49-F238E27FC236}">
+                <a16:creationId xmlns:a16="http://schemas.microsoft.com/office/drawing/2014/main" id="{E5B0EE3D-3D28-BED9-334E-ADA42A4EAB10}"/>
+              </a:ext>
+            </a:extLst>
+          </p:cNvPr>
+          <p:cNvSpPr>
+            <a:spLocks noGrp="1"/>
+          </p:cNvSpPr>
+          <p:nvPr>
+            <p:ph type="sldNum" sz="quarter" idx="12"/>
+          </p:nvPr>
+        </p:nvSpPr>
+        <p:spPr/>
+        <p:txBody>
+          <a:bodyPr/>
+          <a:lstStyle/>
+          <a:p>
+            <a:fld id="{1BE3E937-67EB-4C28-87C2-34258DECF31E}" type="slidenum">
+              <a:rPr lang="hu-HU" smtClean="0"/>
+              <a:t>4</a:t>
+            </a:fld>
+            <a:endParaRPr lang="hu-HU"/>
+          </a:p>
+        </p:txBody>
+      </p:sp>
+    </p:spTree>
+    <p:extLst>
+      <p:ext uri="{BB962C8B-B14F-4D97-AF65-F5344CB8AC3E}">
+        <p14:creationId xmlns:p14="http://schemas.microsoft.com/office/powerpoint/2010/main" val="2816182145"/>
+      </p:ext>
+    </p:extLst>
+  </p:cSld>
+  <p:clrMapOvr>
+    <a:masterClrMapping/>
+  </p:clrMapOvr>
+</p:sld>
+</file>
+
+<file path=ppt/slides/slide5.xml><?xml version="1.0" encoding="utf-8"?>
+<p:sld xmlns:a="http://schemas.openxmlformats.org/drawingml/2006/main" xmlns:r="http://schemas.openxmlformats.org/officeDocument/2006/relationships" xmlns:p="http://schemas.openxmlformats.org/presentationml/2006/main">
+  <p:cSld>
+    <p:spTree>
+      <p:nvGrpSpPr>
+        <p:cNvPr id="1" name=""/>
+        <p:cNvGrpSpPr/>
+        <p:nvPr/>
+      </p:nvGrpSpPr>
+      <p:grpSpPr>
+        <a:xfrm>
+          <a:off x="0" y="0"/>
+          <a:ext cx="0" cy="0"/>
+          <a:chOff x="0" y="0"/>
+          <a:chExt cx="0" cy="0"/>
+        </a:xfrm>
+      </p:grpSpPr>
+      <p:sp>
+        <p:nvSpPr>
+          <p:cNvPr id="2" name="Title 1">
+            <a:extLst>
+              <a:ext uri="{FF2B5EF4-FFF2-40B4-BE49-F238E27FC236}">
+                <a16:creationId xmlns:a16="http://schemas.microsoft.com/office/drawing/2014/main" id="{FB23E6CD-9183-E1D8-9F7D-672F53D0EEE0}"/>
+              </a:ext>
+            </a:extLst>
+          </p:cNvPr>
+          <p:cNvSpPr>
+            <a:spLocks noGrp="1"/>
+          </p:cNvSpPr>
+          <p:nvPr>
+            <p:ph type="title"/>
+          </p:nvPr>
+        </p:nvSpPr>
+        <p:spPr/>
+        <p:txBody>
+          <a:bodyPr/>
+          <a:lstStyle/>
+          <a:p>
+            <a:endParaRPr lang="hu-HU"/>
+          </a:p>
+        </p:txBody>
+      </p:sp>
+      <p:sp>
+        <p:nvSpPr>
+          <p:cNvPr id="3" name="Content Placeholder 2">
+            <a:extLst>
+              <a:ext uri="{FF2B5EF4-FFF2-40B4-BE49-F238E27FC236}">
+                <a16:creationId xmlns:a16="http://schemas.microsoft.com/office/drawing/2014/main" id="{5424E681-8564-69FF-BC7A-4C0D512938F5}"/>
+              </a:ext>
+            </a:extLst>
+          </p:cNvPr>
+          <p:cNvSpPr>
+            <a:spLocks noGrp="1"/>
+          </p:cNvSpPr>
+          <p:nvPr>
+            <p:ph idx="1"/>
+          </p:nvPr>
+        </p:nvSpPr>
+        <p:spPr/>
+        <p:txBody>
+          <a:bodyPr/>
+          <a:lstStyle/>
+          <a:p>
+            <a:endParaRPr lang="hu-HU"/>
+          </a:p>
+        </p:txBody>
+      </p:sp>
+    </p:spTree>
+    <p:extLst>
+      <p:ext uri="{BB962C8B-B14F-4D97-AF65-F5344CB8AC3E}">
+        <p14:creationId xmlns:p14="http://schemas.microsoft.com/office/powerpoint/2010/main" val="3681216478"/>
+      </p:ext>
+    </p:extLst>
+  </p:cSld>
+  <p:clrMapOvr>
+    <a:masterClrMapping/>
+  </p:clrMapOvr>
+</p:sld>
+</file>
+
 <file path=ppt/theme/theme1.xml><?xml version="1.0" encoding="utf-8"?>
 <a:theme xmlns:a="http://schemas.openxmlformats.org/drawingml/2006/main" name="Office Theme">
   <a:themeElements>
